--- a/ppt 16-9/1479.我的神啊！.pptx
+++ b/ppt 16-9/1479.我的神啊！.pptx
@@ -129,7 +129,7 @@
           <p:cNvPr id="2" name="标题 1">
             <a:extLst>
               <a:ext uri="{FF2B5EF4-FFF2-40B4-BE49-F238E27FC236}">
-                <a16:creationId xmlns:a16="http://schemas.microsoft.com/office/drawing/2014/main" id="{69C792FA-21D3-6143-1949-FE2D243448BB}"/>
+                <a16:creationId xmlns:a16="http://schemas.microsoft.com/office/drawing/2014/main" id="{0A6A6086-4865-E863-4EC4-055C431B6F2A}"/>
               </a:ext>
             </a:extLst>
           </p:cNvPr>
@@ -166,7 +166,7 @@
           <p:cNvPr id="3" name="副标题 2">
             <a:extLst>
               <a:ext uri="{FF2B5EF4-FFF2-40B4-BE49-F238E27FC236}">
-                <a16:creationId xmlns:a16="http://schemas.microsoft.com/office/drawing/2014/main" id="{902CEFE0-73DB-B69A-5060-C3BE00F57491}"/>
+                <a16:creationId xmlns:a16="http://schemas.microsoft.com/office/drawing/2014/main" id="{CB9693CC-4AEA-2A69-859D-F8A6A10116FC}"/>
               </a:ext>
             </a:extLst>
           </p:cNvPr>
@@ -236,7 +236,7 @@
           <p:cNvPr id="4" name="日期占位符 3">
             <a:extLst>
               <a:ext uri="{FF2B5EF4-FFF2-40B4-BE49-F238E27FC236}">
-                <a16:creationId xmlns:a16="http://schemas.microsoft.com/office/drawing/2014/main" id="{E1BC68A4-F023-188A-024C-15C1AD6E5D3F}"/>
+                <a16:creationId xmlns:a16="http://schemas.microsoft.com/office/drawing/2014/main" id="{EF0A7962-5687-CDA5-23E4-5AAABE8126D6}"/>
               </a:ext>
             </a:extLst>
           </p:cNvPr>
@@ -252,7 +252,7 @@
           <a:bodyPr/>
           <a:lstStyle/>
           <a:p>
-            <a:fld id="{4BBE6FB4-E8FE-445C-8840-7E91EE889740}" type="datetimeFigureOut">
+            <a:fld id="{1110B853-0155-4350-9F11-857AFDF714F5}" type="datetimeFigureOut">
               <a:rPr lang="zh-CN" altLang="en-US" smtClean="0"/>
               <a:t>2024/3/10</a:t>
             </a:fld>
@@ -265,7 +265,7 @@
           <p:cNvPr id="5" name="页脚占位符 4">
             <a:extLst>
               <a:ext uri="{FF2B5EF4-FFF2-40B4-BE49-F238E27FC236}">
-                <a16:creationId xmlns:a16="http://schemas.microsoft.com/office/drawing/2014/main" id="{42A24A8F-25DD-E70B-C74D-628609599048}"/>
+                <a16:creationId xmlns:a16="http://schemas.microsoft.com/office/drawing/2014/main" id="{69A263A9-9467-4F19-A05F-318F2A767F30}"/>
               </a:ext>
             </a:extLst>
           </p:cNvPr>
@@ -290,7 +290,7 @@
           <p:cNvPr id="6" name="灯片编号占位符 5">
             <a:extLst>
               <a:ext uri="{FF2B5EF4-FFF2-40B4-BE49-F238E27FC236}">
-                <a16:creationId xmlns:a16="http://schemas.microsoft.com/office/drawing/2014/main" id="{4A503534-DB90-1C27-E198-9D2435B69442}"/>
+                <a16:creationId xmlns:a16="http://schemas.microsoft.com/office/drawing/2014/main" id="{EBF8D16B-AB86-D883-602E-51648C893C93}"/>
               </a:ext>
             </a:extLst>
           </p:cNvPr>
@@ -306,7 +306,7 @@
           <a:bodyPr/>
           <a:lstStyle/>
           <a:p>
-            <a:fld id="{9DC0A231-19B7-4DDC-B6C3-41F06F48BD71}" type="slidenum">
+            <a:fld id="{166B863F-A773-422F-B07F-1B2C26B16D1B}" type="slidenum">
               <a:rPr lang="zh-CN" altLang="en-US" smtClean="0"/>
               <a:t>‹#›</a:t>
             </a:fld>
@@ -317,7 +317,7 @@
     </p:spTree>
     <p:extLst>
       <p:ext uri="{BB962C8B-B14F-4D97-AF65-F5344CB8AC3E}">
-        <p14:creationId xmlns:p14="http://schemas.microsoft.com/office/powerpoint/2010/main" val="1659884777"/>
+        <p14:creationId xmlns:p14="http://schemas.microsoft.com/office/powerpoint/2010/main" val="3007771399"/>
       </p:ext>
     </p:extLst>
   </p:cSld>
@@ -349,7 +349,7 @@
           <p:cNvPr id="2" name="标题 1">
             <a:extLst>
               <a:ext uri="{FF2B5EF4-FFF2-40B4-BE49-F238E27FC236}">
-                <a16:creationId xmlns:a16="http://schemas.microsoft.com/office/drawing/2014/main" id="{1DBE6280-C8F7-BEBA-04F0-B0779EC7C13F}"/>
+                <a16:creationId xmlns:a16="http://schemas.microsoft.com/office/drawing/2014/main" id="{B7B4CAD9-0579-CC9D-2342-02D4E75BB85C}"/>
               </a:ext>
             </a:extLst>
           </p:cNvPr>
@@ -377,7 +377,7 @@
           <p:cNvPr id="3" name="竖排文字占位符 2">
             <a:extLst>
               <a:ext uri="{FF2B5EF4-FFF2-40B4-BE49-F238E27FC236}">
-                <a16:creationId xmlns:a16="http://schemas.microsoft.com/office/drawing/2014/main" id="{F8E8B315-B052-BA83-68B7-1F6E5B6A2688}"/>
+                <a16:creationId xmlns:a16="http://schemas.microsoft.com/office/drawing/2014/main" id="{FD50A0D1-1082-30FB-BB40-A6FB602D678F}"/>
               </a:ext>
             </a:extLst>
           </p:cNvPr>
@@ -434,7 +434,7 @@
           <p:cNvPr id="4" name="日期占位符 3">
             <a:extLst>
               <a:ext uri="{FF2B5EF4-FFF2-40B4-BE49-F238E27FC236}">
-                <a16:creationId xmlns:a16="http://schemas.microsoft.com/office/drawing/2014/main" id="{3F6F3896-7E32-611B-8646-B36F21534D7E}"/>
+                <a16:creationId xmlns:a16="http://schemas.microsoft.com/office/drawing/2014/main" id="{F2D9D0A0-85CE-5C87-11A6-5AFF35A6E2E5}"/>
               </a:ext>
             </a:extLst>
           </p:cNvPr>
@@ -450,7 +450,7 @@
           <a:bodyPr/>
           <a:lstStyle/>
           <a:p>
-            <a:fld id="{4BBE6FB4-E8FE-445C-8840-7E91EE889740}" type="datetimeFigureOut">
+            <a:fld id="{1110B853-0155-4350-9F11-857AFDF714F5}" type="datetimeFigureOut">
               <a:rPr lang="zh-CN" altLang="en-US" smtClean="0"/>
               <a:t>2024/3/10</a:t>
             </a:fld>
@@ -463,7 +463,7 @@
           <p:cNvPr id="5" name="页脚占位符 4">
             <a:extLst>
               <a:ext uri="{FF2B5EF4-FFF2-40B4-BE49-F238E27FC236}">
-                <a16:creationId xmlns:a16="http://schemas.microsoft.com/office/drawing/2014/main" id="{F8807DA1-9DA8-857C-2E05-839B85DCC1CD}"/>
+                <a16:creationId xmlns:a16="http://schemas.microsoft.com/office/drawing/2014/main" id="{C0658913-C384-02E5-5956-525892E5448A}"/>
               </a:ext>
             </a:extLst>
           </p:cNvPr>
@@ -488,7 +488,7 @@
           <p:cNvPr id="6" name="灯片编号占位符 5">
             <a:extLst>
               <a:ext uri="{FF2B5EF4-FFF2-40B4-BE49-F238E27FC236}">
-                <a16:creationId xmlns:a16="http://schemas.microsoft.com/office/drawing/2014/main" id="{A76D33A3-89EA-6B7D-AA25-D7988FA06199}"/>
+                <a16:creationId xmlns:a16="http://schemas.microsoft.com/office/drawing/2014/main" id="{2631860A-5DDF-A760-3699-3D6F37604E14}"/>
               </a:ext>
             </a:extLst>
           </p:cNvPr>
@@ -504,7 +504,7 @@
           <a:bodyPr/>
           <a:lstStyle/>
           <a:p>
-            <a:fld id="{9DC0A231-19B7-4DDC-B6C3-41F06F48BD71}" type="slidenum">
+            <a:fld id="{166B863F-A773-422F-B07F-1B2C26B16D1B}" type="slidenum">
               <a:rPr lang="zh-CN" altLang="en-US" smtClean="0"/>
               <a:t>‹#›</a:t>
             </a:fld>
@@ -515,7 +515,7 @@
     </p:spTree>
     <p:extLst>
       <p:ext uri="{BB962C8B-B14F-4D97-AF65-F5344CB8AC3E}">
-        <p14:creationId xmlns:p14="http://schemas.microsoft.com/office/powerpoint/2010/main" val="4048329273"/>
+        <p14:creationId xmlns:p14="http://schemas.microsoft.com/office/powerpoint/2010/main" val="637496677"/>
       </p:ext>
     </p:extLst>
   </p:cSld>
@@ -547,7 +547,7 @@
           <p:cNvPr id="2" name="竖排标题 1">
             <a:extLst>
               <a:ext uri="{FF2B5EF4-FFF2-40B4-BE49-F238E27FC236}">
-                <a16:creationId xmlns:a16="http://schemas.microsoft.com/office/drawing/2014/main" id="{23FB5C22-B222-44BD-C977-EF3AF82376AC}"/>
+                <a16:creationId xmlns:a16="http://schemas.microsoft.com/office/drawing/2014/main" id="{1AA49B11-9950-68FF-AAA2-4A7D4CA76944}"/>
               </a:ext>
             </a:extLst>
           </p:cNvPr>
@@ -580,7 +580,7 @@
           <p:cNvPr id="3" name="竖排文字占位符 2">
             <a:extLst>
               <a:ext uri="{FF2B5EF4-FFF2-40B4-BE49-F238E27FC236}">
-                <a16:creationId xmlns:a16="http://schemas.microsoft.com/office/drawing/2014/main" id="{F3BD23BF-A28E-9548-C615-860EA7C18C8A}"/>
+                <a16:creationId xmlns:a16="http://schemas.microsoft.com/office/drawing/2014/main" id="{16EE5E7F-F3FC-FC5F-7833-76BDE1E1336A}"/>
               </a:ext>
             </a:extLst>
           </p:cNvPr>
@@ -642,7 +642,7 @@
           <p:cNvPr id="4" name="日期占位符 3">
             <a:extLst>
               <a:ext uri="{FF2B5EF4-FFF2-40B4-BE49-F238E27FC236}">
-                <a16:creationId xmlns:a16="http://schemas.microsoft.com/office/drawing/2014/main" id="{74D6257E-7E34-E85D-998D-62E282E4B9FF}"/>
+                <a16:creationId xmlns:a16="http://schemas.microsoft.com/office/drawing/2014/main" id="{8AE495AC-41AF-1038-AFCB-C8028C05235B}"/>
               </a:ext>
             </a:extLst>
           </p:cNvPr>
@@ -658,7 +658,7 @@
           <a:bodyPr/>
           <a:lstStyle/>
           <a:p>
-            <a:fld id="{4BBE6FB4-E8FE-445C-8840-7E91EE889740}" type="datetimeFigureOut">
+            <a:fld id="{1110B853-0155-4350-9F11-857AFDF714F5}" type="datetimeFigureOut">
               <a:rPr lang="zh-CN" altLang="en-US" smtClean="0"/>
               <a:t>2024/3/10</a:t>
             </a:fld>
@@ -671,7 +671,7 @@
           <p:cNvPr id="5" name="页脚占位符 4">
             <a:extLst>
               <a:ext uri="{FF2B5EF4-FFF2-40B4-BE49-F238E27FC236}">
-                <a16:creationId xmlns:a16="http://schemas.microsoft.com/office/drawing/2014/main" id="{5F09E23A-1B7B-B117-B17D-12726E7DBDF9}"/>
+                <a16:creationId xmlns:a16="http://schemas.microsoft.com/office/drawing/2014/main" id="{1BACAC18-2369-2649-8881-F0A6D46D46DB}"/>
               </a:ext>
             </a:extLst>
           </p:cNvPr>
@@ -696,7 +696,7 @@
           <p:cNvPr id="6" name="灯片编号占位符 5">
             <a:extLst>
               <a:ext uri="{FF2B5EF4-FFF2-40B4-BE49-F238E27FC236}">
-                <a16:creationId xmlns:a16="http://schemas.microsoft.com/office/drawing/2014/main" id="{66987505-C01E-4F65-CE9C-83FD2EE1BFC6}"/>
+                <a16:creationId xmlns:a16="http://schemas.microsoft.com/office/drawing/2014/main" id="{E408D01B-B991-6C25-645F-9F6442897007}"/>
               </a:ext>
             </a:extLst>
           </p:cNvPr>
@@ -712,7 +712,7 @@
           <a:bodyPr/>
           <a:lstStyle/>
           <a:p>
-            <a:fld id="{9DC0A231-19B7-4DDC-B6C3-41F06F48BD71}" type="slidenum">
+            <a:fld id="{166B863F-A773-422F-B07F-1B2C26B16D1B}" type="slidenum">
               <a:rPr lang="zh-CN" altLang="en-US" smtClean="0"/>
               <a:t>‹#›</a:t>
             </a:fld>
@@ -723,7 +723,7 @@
     </p:spTree>
     <p:extLst>
       <p:ext uri="{BB962C8B-B14F-4D97-AF65-F5344CB8AC3E}">
-        <p14:creationId xmlns:p14="http://schemas.microsoft.com/office/powerpoint/2010/main" val="2772200539"/>
+        <p14:creationId xmlns:p14="http://schemas.microsoft.com/office/powerpoint/2010/main" val="1273239713"/>
       </p:ext>
     </p:extLst>
   </p:cSld>
@@ -755,7 +755,7 @@
           <p:cNvPr id="2" name="标题 1">
             <a:extLst>
               <a:ext uri="{FF2B5EF4-FFF2-40B4-BE49-F238E27FC236}">
-                <a16:creationId xmlns:a16="http://schemas.microsoft.com/office/drawing/2014/main" id="{C1764A62-9D23-1322-65FF-E1C48E40DFE9}"/>
+                <a16:creationId xmlns:a16="http://schemas.microsoft.com/office/drawing/2014/main" id="{27BA448E-CFFA-A2FC-DCD1-E1048CCEED2D}"/>
               </a:ext>
             </a:extLst>
           </p:cNvPr>
@@ -783,7 +783,7 @@
           <p:cNvPr id="3" name="内容占位符 2">
             <a:extLst>
               <a:ext uri="{FF2B5EF4-FFF2-40B4-BE49-F238E27FC236}">
-                <a16:creationId xmlns:a16="http://schemas.microsoft.com/office/drawing/2014/main" id="{3D476542-EA48-CE4A-158F-8B03266141C8}"/>
+                <a16:creationId xmlns:a16="http://schemas.microsoft.com/office/drawing/2014/main" id="{3AFDBA1B-22E6-B1E3-5C6C-9274BE39F02F}"/>
               </a:ext>
             </a:extLst>
           </p:cNvPr>
@@ -840,7 +840,7 @@
           <p:cNvPr id="4" name="日期占位符 3">
             <a:extLst>
               <a:ext uri="{FF2B5EF4-FFF2-40B4-BE49-F238E27FC236}">
-                <a16:creationId xmlns:a16="http://schemas.microsoft.com/office/drawing/2014/main" id="{A01FB76B-13E5-3AD9-CC43-CF68371D57BF}"/>
+                <a16:creationId xmlns:a16="http://schemas.microsoft.com/office/drawing/2014/main" id="{F80C6E9E-5C45-0373-EB3D-F7FA555BFA6E}"/>
               </a:ext>
             </a:extLst>
           </p:cNvPr>
@@ -856,7 +856,7 @@
           <a:bodyPr/>
           <a:lstStyle/>
           <a:p>
-            <a:fld id="{4BBE6FB4-E8FE-445C-8840-7E91EE889740}" type="datetimeFigureOut">
+            <a:fld id="{1110B853-0155-4350-9F11-857AFDF714F5}" type="datetimeFigureOut">
               <a:rPr lang="zh-CN" altLang="en-US" smtClean="0"/>
               <a:t>2024/3/10</a:t>
             </a:fld>
@@ -869,7 +869,7 @@
           <p:cNvPr id="5" name="页脚占位符 4">
             <a:extLst>
               <a:ext uri="{FF2B5EF4-FFF2-40B4-BE49-F238E27FC236}">
-                <a16:creationId xmlns:a16="http://schemas.microsoft.com/office/drawing/2014/main" id="{DAE87C68-F88E-B7AD-5E46-2E3E7AAEED62}"/>
+                <a16:creationId xmlns:a16="http://schemas.microsoft.com/office/drawing/2014/main" id="{7878D6CD-71A0-D638-F441-6C4063CA2FCF}"/>
               </a:ext>
             </a:extLst>
           </p:cNvPr>
@@ -894,7 +894,7 @@
           <p:cNvPr id="6" name="灯片编号占位符 5">
             <a:extLst>
               <a:ext uri="{FF2B5EF4-FFF2-40B4-BE49-F238E27FC236}">
-                <a16:creationId xmlns:a16="http://schemas.microsoft.com/office/drawing/2014/main" id="{8BF13F55-64E3-EB47-4584-DF868174C51F}"/>
+                <a16:creationId xmlns:a16="http://schemas.microsoft.com/office/drawing/2014/main" id="{2C564289-6552-5AB0-C4A9-387F8D802203}"/>
               </a:ext>
             </a:extLst>
           </p:cNvPr>
@@ -910,7 +910,7 @@
           <a:bodyPr/>
           <a:lstStyle/>
           <a:p>
-            <a:fld id="{9DC0A231-19B7-4DDC-B6C3-41F06F48BD71}" type="slidenum">
+            <a:fld id="{166B863F-A773-422F-B07F-1B2C26B16D1B}" type="slidenum">
               <a:rPr lang="zh-CN" altLang="en-US" smtClean="0"/>
               <a:t>‹#›</a:t>
             </a:fld>
@@ -921,7 +921,7 @@
     </p:spTree>
     <p:extLst>
       <p:ext uri="{BB962C8B-B14F-4D97-AF65-F5344CB8AC3E}">
-        <p14:creationId xmlns:p14="http://schemas.microsoft.com/office/powerpoint/2010/main" val="1537878608"/>
+        <p14:creationId xmlns:p14="http://schemas.microsoft.com/office/powerpoint/2010/main" val="3983319984"/>
       </p:ext>
     </p:extLst>
   </p:cSld>
@@ -953,7 +953,7 @@
           <p:cNvPr id="2" name="标题 1">
             <a:extLst>
               <a:ext uri="{FF2B5EF4-FFF2-40B4-BE49-F238E27FC236}">
-                <a16:creationId xmlns:a16="http://schemas.microsoft.com/office/drawing/2014/main" id="{7E5358D1-7025-EBD2-38D9-6D008651B356}"/>
+                <a16:creationId xmlns:a16="http://schemas.microsoft.com/office/drawing/2014/main" id="{A1107FC9-1A7A-B3FC-C229-44D5853F4206}"/>
               </a:ext>
             </a:extLst>
           </p:cNvPr>
@@ -990,7 +990,7 @@
           <p:cNvPr id="3" name="文本占位符 2">
             <a:extLst>
               <a:ext uri="{FF2B5EF4-FFF2-40B4-BE49-F238E27FC236}">
-                <a16:creationId xmlns:a16="http://schemas.microsoft.com/office/drawing/2014/main" id="{D1BD3DD2-9D82-90A8-6BEB-1F2EC00AB60D}"/>
+                <a16:creationId xmlns:a16="http://schemas.microsoft.com/office/drawing/2014/main" id="{4CD322FF-469F-FD84-4D6B-1CFFCBB49C30}"/>
               </a:ext>
             </a:extLst>
           </p:cNvPr>
@@ -1115,7 +1115,7 @@
           <p:cNvPr id="4" name="日期占位符 3">
             <a:extLst>
               <a:ext uri="{FF2B5EF4-FFF2-40B4-BE49-F238E27FC236}">
-                <a16:creationId xmlns:a16="http://schemas.microsoft.com/office/drawing/2014/main" id="{EDC00BE4-3571-3615-461F-924A3018E38B}"/>
+                <a16:creationId xmlns:a16="http://schemas.microsoft.com/office/drawing/2014/main" id="{E57A29D8-39E7-0B5E-9264-A82688BC0625}"/>
               </a:ext>
             </a:extLst>
           </p:cNvPr>
@@ -1131,7 +1131,7 @@
           <a:bodyPr/>
           <a:lstStyle/>
           <a:p>
-            <a:fld id="{4BBE6FB4-E8FE-445C-8840-7E91EE889740}" type="datetimeFigureOut">
+            <a:fld id="{1110B853-0155-4350-9F11-857AFDF714F5}" type="datetimeFigureOut">
               <a:rPr lang="zh-CN" altLang="en-US" smtClean="0"/>
               <a:t>2024/3/10</a:t>
             </a:fld>
@@ -1144,7 +1144,7 @@
           <p:cNvPr id="5" name="页脚占位符 4">
             <a:extLst>
               <a:ext uri="{FF2B5EF4-FFF2-40B4-BE49-F238E27FC236}">
-                <a16:creationId xmlns:a16="http://schemas.microsoft.com/office/drawing/2014/main" id="{3F206A8C-B61C-E2F6-6258-6F7FFA8D1985}"/>
+                <a16:creationId xmlns:a16="http://schemas.microsoft.com/office/drawing/2014/main" id="{866F5219-8963-7259-44C8-68F16EC362DC}"/>
               </a:ext>
             </a:extLst>
           </p:cNvPr>
@@ -1169,7 +1169,7 @@
           <p:cNvPr id="6" name="灯片编号占位符 5">
             <a:extLst>
               <a:ext uri="{FF2B5EF4-FFF2-40B4-BE49-F238E27FC236}">
-                <a16:creationId xmlns:a16="http://schemas.microsoft.com/office/drawing/2014/main" id="{F9BB57B4-05B6-78FC-D229-FE5525C1708F}"/>
+                <a16:creationId xmlns:a16="http://schemas.microsoft.com/office/drawing/2014/main" id="{3FC2D59A-A45A-3BCF-933F-02D8ABF575D3}"/>
               </a:ext>
             </a:extLst>
           </p:cNvPr>
@@ -1185,7 +1185,7 @@
           <a:bodyPr/>
           <a:lstStyle/>
           <a:p>
-            <a:fld id="{9DC0A231-19B7-4DDC-B6C3-41F06F48BD71}" type="slidenum">
+            <a:fld id="{166B863F-A773-422F-B07F-1B2C26B16D1B}" type="slidenum">
               <a:rPr lang="zh-CN" altLang="en-US" smtClean="0"/>
               <a:t>‹#›</a:t>
             </a:fld>
@@ -1196,7 +1196,7 @@
     </p:spTree>
     <p:extLst>
       <p:ext uri="{BB962C8B-B14F-4D97-AF65-F5344CB8AC3E}">
-        <p14:creationId xmlns:p14="http://schemas.microsoft.com/office/powerpoint/2010/main" val="3960040464"/>
+        <p14:creationId xmlns:p14="http://schemas.microsoft.com/office/powerpoint/2010/main" val="4062001137"/>
       </p:ext>
     </p:extLst>
   </p:cSld>
@@ -1228,7 +1228,7 @@
           <p:cNvPr id="2" name="标题 1">
             <a:extLst>
               <a:ext uri="{FF2B5EF4-FFF2-40B4-BE49-F238E27FC236}">
-                <a16:creationId xmlns:a16="http://schemas.microsoft.com/office/drawing/2014/main" id="{6213489E-38E0-92FB-D87A-207B44C0573E}"/>
+                <a16:creationId xmlns:a16="http://schemas.microsoft.com/office/drawing/2014/main" id="{68A16A27-1F96-B687-F19B-5405ADFCD043}"/>
               </a:ext>
             </a:extLst>
           </p:cNvPr>
@@ -1256,7 +1256,7 @@
           <p:cNvPr id="3" name="内容占位符 2">
             <a:extLst>
               <a:ext uri="{FF2B5EF4-FFF2-40B4-BE49-F238E27FC236}">
-                <a16:creationId xmlns:a16="http://schemas.microsoft.com/office/drawing/2014/main" id="{32D99177-5898-161E-84B7-1DBE4919B319}"/>
+                <a16:creationId xmlns:a16="http://schemas.microsoft.com/office/drawing/2014/main" id="{95048411-FE9A-2684-B152-BD1DBAA389DA}"/>
               </a:ext>
             </a:extLst>
           </p:cNvPr>
@@ -1318,7 +1318,7 @@
           <p:cNvPr id="4" name="内容占位符 3">
             <a:extLst>
               <a:ext uri="{FF2B5EF4-FFF2-40B4-BE49-F238E27FC236}">
-                <a16:creationId xmlns:a16="http://schemas.microsoft.com/office/drawing/2014/main" id="{6388BAE3-6684-B928-5B94-CACF4E8F2B79}"/>
+                <a16:creationId xmlns:a16="http://schemas.microsoft.com/office/drawing/2014/main" id="{A2FEF878-61BD-4FD3-F658-49167193DAB1}"/>
               </a:ext>
             </a:extLst>
           </p:cNvPr>
@@ -1380,7 +1380,7 @@
           <p:cNvPr id="5" name="日期占位符 4">
             <a:extLst>
               <a:ext uri="{FF2B5EF4-FFF2-40B4-BE49-F238E27FC236}">
-                <a16:creationId xmlns:a16="http://schemas.microsoft.com/office/drawing/2014/main" id="{EBFC44FC-4F80-1C2B-EE76-92DAA54FE7E1}"/>
+                <a16:creationId xmlns:a16="http://schemas.microsoft.com/office/drawing/2014/main" id="{0821A718-81F1-5449-C6F7-3C6F63CF07FA}"/>
               </a:ext>
             </a:extLst>
           </p:cNvPr>
@@ -1396,7 +1396,7 @@
           <a:bodyPr/>
           <a:lstStyle/>
           <a:p>
-            <a:fld id="{4BBE6FB4-E8FE-445C-8840-7E91EE889740}" type="datetimeFigureOut">
+            <a:fld id="{1110B853-0155-4350-9F11-857AFDF714F5}" type="datetimeFigureOut">
               <a:rPr lang="zh-CN" altLang="en-US" smtClean="0"/>
               <a:t>2024/3/10</a:t>
             </a:fld>
@@ -1409,7 +1409,7 @@
           <p:cNvPr id="6" name="页脚占位符 5">
             <a:extLst>
               <a:ext uri="{FF2B5EF4-FFF2-40B4-BE49-F238E27FC236}">
-                <a16:creationId xmlns:a16="http://schemas.microsoft.com/office/drawing/2014/main" id="{8EA55AC5-8251-60A3-67A8-2146B0927C2B}"/>
+                <a16:creationId xmlns:a16="http://schemas.microsoft.com/office/drawing/2014/main" id="{F5158E1B-3924-3F3D-641C-6DF253BB9617}"/>
               </a:ext>
             </a:extLst>
           </p:cNvPr>
@@ -1434,7 +1434,7 @@
           <p:cNvPr id="7" name="灯片编号占位符 6">
             <a:extLst>
               <a:ext uri="{FF2B5EF4-FFF2-40B4-BE49-F238E27FC236}">
-                <a16:creationId xmlns:a16="http://schemas.microsoft.com/office/drawing/2014/main" id="{712B0156-325E-8555-5111-7B6163BCD3EC}"/>
+                <a16:creationId xmlns:a16="http://schemas.microsoft.com/office/drawing/2014/main" id="{78FE730A-7867-1C8A-DD02-D2A271D19368}"/>
               </a:ext>
             </a:extLst>
           </p:cNvPr>
@@ -1450,7 +1450,7 @@
           <a:bodyPr/>
           <a:lstStyle/>
           <a:p>
-            <a:fld id="{9DC0A231-19B7-4DDC-B6C3-41F06F48BD71}" type="slidenum">
+            <a:fld id="{166B863F-A773-422F-B07F-1B2C26B16D1B}" type="slidenum">
               <a:rPr lang="zh-CN" altLang="en-US" smtClean="0"/>
               <a:t>‹#›</a:t>
             </a:fld>
@@ -1461,7 +1461,7 @@
     </p:spTree>
     <p:extLst>
       <p:ext uri="{BB962C8B-B14F-4D97-AF65-F5344CB8AC3E}">
-        <p14:creationId xmlns:p14="http://schemas.microsoft.com/office/powerpoint/2010/main" val="1686268512"/>
+        <p14:creationId xmlns:p14="http://schemas.microsoft.com/office/powerpoint/2010/main" val="3182681310"/>
       </p:ext>
     </p:extLst>
   </p:cSld>
@@ -1493,7 +1493,7 @@
           <p:cNvPr id="2" name="标题 1">
             <a:extLst>
               <a:ext uri="{FF2B5EF4-FFF2-40B4-BE49-F238E27FC236}">
-                <a16:creationId xmlns:a16="http://schemas.microsoft.com/office/drawing/2014/main" id="{8FFC9F89-6DEF-4DC5-D54C-65E93FCCDDF9}"/>
+                <a16:creationId xmlns:a16="http://schemas.microsoft.com/office/drawing/2014/main" id="{001F7A8C-997B-6D0C-286D-701FAAAC208B}"/>
               </a:ext>
             </a:extLst>
           </p:cNvPr>
@@ -1526,7 +1526,7 @@
           <p:cNvPr id="3" name="文本占位符 2">
             <a:extLst>
               <a:ext uri="{FF2B5EF4-FFF2-40B4-BE49-F238E27FC236}">
-                <a16:creationId xmlns:a16="http://schemas.microsoft.com/office/drawing/2014/main" id="{709DC867-D691-B937-C9E6-2490C76AB208}"/>
+                <a16:creationId xmlns:a16="http://schemas.microsoft.com/office/drawing/2014/main" id="{E06F6AE0-3F9C-35F6-05EC-812127844B8C}"/>
               </a:ext>
             </a:extLst>
           </p:cNvPr>
@@ -1597,7 +1597,7 @@
           <p:cNvPr id="4" name="内容占位符 3">
             <a:extLst>
               <a:ext uri="{FF2B5EF4-FFF2-40B4-BE49-F238E27FC236}">
-                <a16:creationId xmlns:a16="http://schemas.microsoft.com/office/drawing/2014/main" id="{E1118F55-F73F-123B-9353-E382788B224A}"/>
+                <a16:creationId xmlns:a16="http://schemas.microsoft.com/office/drawing/2014/main" id="{0BAD4E73-5720-51A0-A6E1-B9EC2AC68A16}"/>
               </a:ext>
             </a:extLst>
           </p:cNvPr>
@@ -1659,7 +1659,7 @@
           <p:cNvPr id="5" name="文本占位符 4">
             <a:extLst>
               <a:ext uri="{FF2B5EF4-FFF2-40B4-BE49-F238E27FC236}">
-                <a16:creationId xmlns:a16="http://schemas.microsoft.com/office/drawing/2014/main" id="{A07E5D3F-B5C6-93DB-F583-12536B3205F7}"/>
+                <a16:creationId xmlns:a16="http://schemas.microsoft.com/office/drawing/2014/main" id="{9EB5D943-3AA6-B26B-E3CC-0AE9035301E6}"/>
               </a:ext>
             </a:extLst>
           </p:cNvPr>
@@ -1730,7 +1730,7 @@
           <p:cNvPr id="6" name="内容占位符 5">
             <a:extLst>
               <a:ext uri="{FF2B5EF4-FFF2-40B4-BE49-F238E27FC236}">
-                <a16:creationId xmlns:a16="http://schemas.microsoft.com/office/drawing/2014/main" id="{23DC6D5C-C156-6619-713D-8AD192839399}"/>
+                <a16:creationId xmlns:a16="http://schemas.microsoft.com/office/drawing/2014/main" id="{5FCCEB28-B794-7898-0B14-CE75459263F2}"/>
               </a:ext>
             </a:extLst>
           </p:cNvPr>
@@ -1792,7 +1792,7 @@
           <p:cNvPr id="7" name="日期占位符 6">
             <a:extLst>
               <a:ext uri="{FF2B5EF4-FFF2-40B4-BE49-F238E27FC236}">
-                <a16:creationId xmlns:a16="http://schemas.microsoft.com/office/drawing/2014/main" id="{616D935E-62BA-734E-AC8F-DDE21358A1B8}"/>
+                <a16:creationId xmlns:a16="http://schemas.microsoft.com/office/drawing/2014/main" id="{4B322E3A-F552-8BEB-21AB-50FED733345F}"/>
               </a:ext>
             </a:extLst>
           </p:cNvPr>
@@ -1808,7 +1808,7 @@
           <a:bodyPr/>
           <a:lstStyle/>
           <a:p>
-            <a:fld id="{4BBE6FB4-E8FE-445C-8840-7E91EE889740}" type="datetimeFigureOut">
+            <a:fld id="{1110B853-0155-4350-9F11-857AFDF714F5}" type="datetimeFigureOut">
               <a:rPr lang="zh-CN" altLang="en-US" smtClean="0"/>
               <a:t>2024/3/10</a:t>
             </a:fld>
@@ -1821,7 +1821,7 @@
           <p:cNvPr id="8" name="页脚占位符 7">
             <a:extLst>
               <a:ext uri="{FF2B5EF4-FFF2-40B4-BE49-F238E27FC236}">
-                <a16:creationId xmlns:a16="http://schemas.microsoft.com/office/drawing/2014/main" id="{F4204513-A8A2-74C1-38B8-BB941F1E0373}"/>
+                <a16:creationId xmlns:a16="http://schemas.microsoft.com/office/drawing/2014/main" id="{DF365902-9D6B-FC49-4792-38564F227C35}"/>
               </a:ext>
             </a:extLst>
           </p:cNvPr>
@@ -1846,7 +1846,7 @@
           <p:cNvPr id="9" name="灯片编号占位符 8">
             <a:extLst>
               <a:ext uri="{FF2B5EF4-FFF2-40B4-BE49-F238E27FC236}">
-                <a16:creationId xmlns:a16="http://schemas.microsoft.com/office/drawing/2014/main" id="{4A901356-1D1D-C7B8-67A3-AA40D76C58C9}"/>
+                <a16:creationId xmlns:a16="http://schemas.microsoft.com/office/drawing/2014/main" id="{24582A2D-AA88-C93A-1693-67A1AD579ADE}"/>
               </a:ext>
             </a:extLst>
           </p:cNvPr>
@@ -1862,7 +1862,7 @@
           <a:bodyPr/>
           <a:lstStyle/>
           <a:p>
-            <a:fld id="{9DC0A231-19B7-4DDC-B6C3-41F06F48BD71}" type="slidenum">
+            <a:fld id="{166B863F-A773-422F-B07F-1B2C26B16D1B}" type="slidenum">
               <a:rPr lang="zh-CN" altLang="en-US" smtClean="0"/>
               <a:t>‹#›</a:t>
             </a:fld>
@@ -1873,7 +1873,7 @@
     </p:spTree>
     <p:extLst>
       <p:ext uri="{BB962C8B-B14F-4D97-AF65-F5344CB8AC3E}">
-        <p14:creationId xmlns:p14="http://schemas.microsoft.com/office/powerpoint/2010/main" val="1207767891"/>
+        <p14:creationId xmlns:p14="http://schemas.microsoft.com/office/powerpoint/2010/main" val="2026079910"/>
       </p:ext>
     </p:extLst>
   </p:cSld>
@@ -1905,7 +1905,7 @@
           <p:cNvPr id="2" name="标题 1">
             <a:extLst>
               <a:ext uri="{FF2B5EF4-FFF2-40B4-BE49-F238E27FC236}">
-                <a16:creationId xmlns:a16="http://schemas.microsoft.com/office/drawing/2014/main" id="{004CEDCB-3677-3079-15F5-57BCBE449354}"/>
+                <a16:creationId xmlns:a16="http://schemas.microsoft.com/office/drawing/2014/main" id="{1324E0EB-52E6-3DA7-841E-BF38045FA521}"/>
               </a:ext>
             </a:extLst>
           </p:cNvPr>
@@ -1933,7 +1933,7 @@
           <p:cNvPr id="3" name="日期占位符 2">
             <a:extLst>
               <a:ext uri="{FF2B5EF4-FFF2-40B4-BE49-F238E27FC236}">
-                <a16:creationId xmlns:a16="http://schemas.microsoft.com/office/drawing/2014/main" id="{7D5AF548-6BEA-937B-1486-33189BC2D2C6}"/>
+                <a16:creationId xmlns:a16="http://schemas.microsoft.com/office/drawing/2014/main" id="{7A803868-070A-D3DF-6485-DF7DBADF00AE}"/>
               </a:ext>
             </a:extLst>
           </p:cNvPr>
@@ -1949,7 +1949,7 @@
           <a:bodyPr/>
           <a:lstStyle/>
           <a:p>
-            <a:fld id="{4BBE6FB4-E8FE-445C-8840-7E91EE889740}" type="datetimeFigureOut">
+            <a:fld id="{1110B853-0155-4350-9F11-857AFDF714F5}" type="datetimeFigureOut">
               <a:rPr lang="zh-CN" altLang="en-US" smtClean="0"/>
               <a:t>2024/3/10</a:t>
             </a:fld>
@@ -1962,7 +1962,7 @@
           <p:cNvPr id="4" name="页脚占位符 3">
             <a:extLst>
               <a:ext uri="{FF2B5EF4-FFF2-40B4-BE49-F238E27FC236}">
-                <a16:creationId xmlns:a16="http://schemas.microsoft.com/office/drawing/2014/main" id="{E36FEA41-95A7-E4BB-1B0A-9A54E6FBE19B}"/>
+                <a16:creationId xmlns:a16="http://schemas.microsoft.com/office/drawing/2014/main" id="{67AB2137-9CDF-6766-138E-32A11A857005}"/>
               </a:ext>
             </a:extLst>
           </p:cNvPr>
@@ -1987,7 +1987,7 @@
           <p:cNvPr id="5" name="灯片编号占位符 4">
             <a:extLst>
               <a:ext uri="{FF2B5EF4-FFF2-40B4-BE49-F238E27FC236}">
-                <a16:creationId xmlns:a16="http://schemas.microsoft.com/office/drawing/2014/main" id="{5B655B41-D9DF-D79D-12FD-08D8506F837F}"/>
+                <a16:creationId xmlns:a16="http://schemas.microsoft.com/office/drawing/2014/main" id="{4FD7F657-665E-5193-AAE8-383B4E76A8BB}"/>
               </a:ext>
             </a:extLst>
           </p:cNvPr>
@@ -2003,7 +2003,7 @@
           <a:bodyPr/>
           <a:lstStyle/>
           <a:p>
-            <a:fld id="{9DC0A231-19B7-4DDC-B6C3-41F06F48BD71}" type="slidenum">
+            <a:fld id="{166B863F-A773-422F-B07F-1B2C26B16D1B}" type="slidenum">
               <a:rPr lang="zh-CN" altLang="en-US" smtClean="0"/>
               <a:t>‹#›</a:t>
             </a:fld>
@@ -2014,7 +2014,7 @@
     </p:spTree>
     <p:extLst>
       <p:ext uri="{BB962C8B-B14F-4D97-AF65-F5344CB8AC3E}">
-        <p14:creationId xmlns:p14="http://schemas.microsoft.com/office/powerpoint/2010/main" val="921046146"/>
+        <p14:creationId xmlns:p14="http://schemas.microsoft.com/office/powerpoint/2010/main" val="1333872959"/>
       </p:ext>
     </p:extLst>
   </p:cSld>
@@ -2046,7 +2046,7 @@
           <p:cNvPr id="2" name="日期占位符 1">
             <a:extLst>
               <a:ext uri="{FF2B5EF4-FFF2-40B4-BE49-F238E27FC236}">
-                <a16:creationId xmlns:a16="http://schemas.microsoft.com/office/drawing/2014/main" id="{228029EF-9806-0C01-7E79-C2F3B63FD042}"/>
+                <a16:creationId xmlns:a16="http://schemas.microsoft.com/office/drawing/2014/main" id="{49B31991-859F-0325-EDBF-38EF6896006C}"/>
               </a:ext>
             </a:extLst>
           </p:cNvPr>
@@ -2062,7 +2062,7 @@
           <a:bodyPr/>
           <a:lstStyle/>
           <a:p>
-            <a:fld id="{4BBE6FB4-E8FE-445C-8840-7E91EE889740}" type="datetimeFigureOut">
+            <a:fld id="{1110B853-0155-4350-9F11-857AFDF714F5}" type="datetimeFigureOut">
               <a:rPr lang="zh-CN" altLang="en-US" smtClean="0"/>
               <a:t>2024/3/10</a:t>
             </a:fld>
@@ -2075,7 +2075,7 @@
           <p:cNvPr id="3" name="页脚占位符 2">
             <a:extLst>
               <a:ext uri="{FF2B5EF4-FFF2-40B4-BE49-F238E27FC236}">
-                <a16:creationId xmlns:a16="http://schemas.microsoft.com/office/drawing/2014/main" id="{3A724FEA-0478-74A5-20AD-FBF3A4699D46}"/>
+                <a16:creationId xmlns:a16="http://schemas.microsoft.com/office/drawing/2014/main" id="{7F82B694-3FAA-9435-FF26-4B646897A9DB}"/>
               </a:ext>
             </a:extLst>
           </p:cNvPr>
@@ -2100,7 +2100,7 @@
           <p:cNvPr id="4" name="灯片编号占位符 3">
             <a:extLst>
               <a:ext uri="{FF2B5EF4-FFF2-40B4-BE49-F238E27FC236}">
-                <a16:creationId xmlns:a16="http://schemas.microsoft.com/office/drawing/2014/main" id="{D335B253-7EDB-1EDB-6FB2-D60DE292D724}"/>
+                <a16:creationId xmlns:a16="http://schemas.microsoft.com/office/drawing/2014/main" id="{C4C22667-A425-1D71-9B8D-70C1F8F497E5}"/>
               </a:ext>
             </a:extLst>
           </p:cNvPr>
@@ -2116,7 +2116,7 @@
           <a:bodyPr/>
           <a:lstStyle/>
           <a:p>
-            <a:fld id="{9DC0A231-19B7-4DDC-B6C3-41F06F48BD71}" type="slidenum">
+            <a:fld id="{166B863F-A773-422F-B07F-1B2C26B16D1B}" type="slidenum">
               <a:rPr lang="zh-CN" altLang="en-US" smtClean="0"/>
               <a:t>‹#›</a:t>
             </a:fld>
@@ -2127,7 +2127,7 @@
     </p:spTree>
     <p:extLst>
       <p:ext uri="{BB962C8B-B14F-4D97-AF65-F5344CB8AC3E}">
-        <p14:creationId xmlns:p14="http://schemas.microsoft.com/office/powerpoint/2010/main" val="288713662"/>
+        <p14:creationId xmlns:p14="http://schemas.microsoft.com/office/powerpoint/2010/main" val="587399065"/>
       </p:ext>
     </p:extLst>
   </p:cSld>
@@ -2159,7 +2159,7 @@
           <p:cNvPr id="2" name="标题 1">
             <a:extLst>
               <a:ext uri="{FF2B5EF4-FFF2-40B4-BE49-F238E27FC236}">
-                <a16:creationId xmlns:a16="http://schemas.microsoft.com/office/drawing/2014/main" id="{BD21BB6C-EE96-04B9-7E7C-ED56D96DCE37}"/>
+                <a16:creationId xmlns:a16="http://schemas.microsoft.com/office/drawing/2014/main" id="{299EDE1D-ADA3-1C1F-C561-CDAF38EB90EE}"/>
               </a:ext>
             </a:extLst>
           </p:cNvPr>
@@ -2196,7 +2196,7 @@
           <p:cNvPr id="3" name="内容占位符 2">
             <a:extLst>
               <a:ext uri="{FF2B5EF4-FFF2-40B4-BE49-F238E27FC236}">
-                <a16:creationId xmlns:a16="http://schemas.microsoft.com/office/drawing/2014/main" id="{3E80B949-0A7A-D445-1580-0CB017511214}"/>
+                <a16:creationId xmlns:a16="http://schemas.microsoft.com/office/drawing/2014/main" id="{18CFC642-0650-09AE-F63B-6765BD572A4A}"/>
               </a:ext>
             </a:extLst>
           </p:cNvPr>
@@ -2286,7 +2286,7 @@
           <p:cNvPr id="4" name="文本占位符 3">
             <a:extLst>
               <a:ext uri="{FF2B5EF4-FFF2-40B4-BE49-F238E27FC236}">
-                <a16:creationId xmlns:a16="http://schemas.microsoft.com/office/drawing/2014/main" id="{6B5B98DD-B7F8-97ED-A1EE-EDAED2642751}"/>
+                <a16:creationId xmlns:a16="http://schemas.microsoft.com/office/drawing/2014/main" id="{C362CCFD-42BC-1F4A-EEBE-E01E556D6900}"/>
               </a:ext>
             </a:extLst>
           </p:cNvPr>
@@ -2357,7 +2357,7 @@
           <p:cNvPr id="5" name="日期占位符 4">
             <a:extLst>
               <a:ext uri="{FF2B5EF4-FFF2-40B4-BE49-F238E27FC236}">
-                <a16:creationId xmlns:a16="http://schemas.microsoft.com/office/drawing/2014/main" id="{1181D128-9F12-57A3-BB2A-DFDCDE393AE8}"/>
+                <a16:creationId xmlns:a16="http://schemas.microsoft.com/office/drawing/2014/main" id="{5C1D360D-1636-8D53-48F6-D57422690FED}"/>
               </a:ext>
             </a:extLst>
           </p:cNvPr>
@@ -2373,7 +2373,7 @@
           <a:bodyPr/>
           <a:lstStyle/>
           <a:p>
-            <a:fld id="{4BBE6FB4-E8FE-445C-8840-7E91EE889740}" type="datetimeFigureOut">
+            <a:fld id="{1110B853-0155-4350-9F11-857AFDF714F5}" type="datetimeFigureOut">
               <a:rPr lang="zh-CN" altLang="en-US" smtClean="0"/>
               <a:t>2024/3/10</a:t>
             </a:fld>
@@ -2386,7 +2386,7 @@
           <p:cNvPr id="6" name="页脚占位符 5">
             <a:extLst>
               <a:ext uri="{FF2B5EF4-FFF2-40B4-BE49-F238E27FC236}">
-                <a16:creationId xmlns:a16="http://schemas.microsoft.com/office/drawing/2014/main" id="{DAA31E76-1169-156C-9115-DC8F3700ED28}"/>
+                <a16:creationId xmlns:a16="http://schemas.microsoft.com/office/drawing/2014/main" id="{1B8938EC-8EBD-5F8A-BA7C-CB218B8D630B}"/>
               </a:ext>
             </a:extLst>
           </p:cNvPr>
@@ -2411,7 +2411,7 @@
           <p:cNvPr id="7" name="灯片编号占位符 6">
             <a:extLst>
               <a:ext uri="{FF2B5EF4-FFF2-40B4-BE49-F238E27FC236}">
-                <a16:creationId xmlns:a16="http://schemas.microsoft.com/office/drawing/2014/main" id="{44D9354C-1737-2761-DCD0-1A48A07E5DFC}"/>
+                <a16:creationId xmlns:a16="http://schemas.microsoft.com/office/drawing/2014/main" id="{E7F693AA-AA72-9E16-027C-AB5BFBBB0F20}"/>
               </a:ext>
             </a:extLst>
           </p:cNvPr>
@@ -2427,7 +2427,7 @@
           <a:bodyPr/>
           <a:lstStyle/>
           <a:p>
-            <a:fld id="{9DC0A231-19B7-4DDC-B6C3-41F06F48BD71}" type="slidenum">
+            <a:fld id="{166B863F-A773-422F-B07F-1B2C26B16D1B}" type="slidenum">
               <a:rPr lang="zh-CN" altLang="en-US" smtClean="0"/>
               <a:t>‹#›</a:t>
             </a:fld>
@@ -2438,7 +2438,7 @@
     </p:spTree>
     <p:extLst>
       <p:ext uri="{BB962C8B-B14F-4D97-AF65-F5344CB8AC3E}">
-        <p14:creationId xmlns:p14="http://schemas.microsoft.com/office/powerpoint/2010/main" val="3466358676"/>
+        <p14:creationId xmlns:p14="http://schemas.microsoft.com/office/powerpoint/2010/main" val="3247726286"/>
       </p:ext>
     </p:extLst>
   </p:cSld>
@@ -2470,7 +2470,7 @@
           <p:cNvPr id="2" name="标题 1">
             <a:extLst>
               <a:ext uri="{FF2B5EF4-FFF2-40B4-BE49-F238E27FC236}">
-                <a16:creationId xmlns:a16="http://schemas.microsoft.com/office/drawing/2014/main" id="{8CC8B767-493B-6FD3-508E-843A565930EA}"/>
+                <a16:creationId xmlns:a16="http://schemas.microsoft.com/office/drawing/2014/main" id="{23CBF6E5-BB0B-316C-AD98-B25492662F0E}"/>
               </a:ext>
             </a:extLst>
           </p:cNvPr>
@@ -2507,7 +2507,7 @@
           <p:cNvPr id="3" name="图片占位符 2">
             <a:extLst>
               <a:ext uri="{FF2B5EF4-FFF2-40B4-BE49-F238E27FC236}">
-                <a16:creationId xmlns:a16="http://schemas.microsoft.com/office/drawing/2014/main" id="{C75123C2-C973-8A8B-3492-763DF1B39BAA}"/>
+                <a16:creationId xmlns:a16="http://schemas.microsoft.com/office/drawing/2014/main" id="{DE918E41-DEDD-4068-44FB-EF4D6E1F4531}"/>
               </a:ext>
             </a:extLst>
           </p:cNvPr>
@@ -2574,7 +2574,7 @@
           <p:cNvPr id="4" name="文本占位符 3">
             <a:extLst>
               <a:ext uri="{FF2B5EF4-FFF2-40B4-BE49-F238E27FC236}">
-                <a16:creationId xmlns:a16="http://schemas.microsoft.com/office/drawing/2014/main" id="{A4AF7249-098B-1DFA-A070-ABA95EF1969C}"/>
+                <a16:creationId xmlns:a16="http://schemas.microsoft.com/office/drawing/2014/main" id="{7C97B804-D920-1D44-975A-195EB43028A8}"/>
               </a:ext>
             </a:extLst>
           </p:cNvPr>
@@ -2645,7 +2645,7 @@
           <p:cNvPr id="5" name="日期占位符 4">
             <a:extLst>
               <a:ext uri="{FF2B5EF4-FFF2-40B4-BE49-F238E27FC236}">
-                <a16:creationId xmlns:a16="http://schemas.microsoft.com/office/drawing/2014/main" id="{2E146466-8647-C8C4-B316-35723C11D0CD}"/>
+                <a16:creationId xmlns:a16="http://schemas.microsoft.com/office/drawing/2014/main" id="{8949E13E-20F7-708B-66DF-C5F8D735B477}"/>
               </a:ext>
             </a:extLst>
           </p:cNvPr>
@@ -2661,7 +2661,7 @@
           <a:bodyPr/>
           <a:lstStyle/>
           <a:p>
-            <a:fld id="{4BBE6FB4-E8FE-445C-8840-7E91EE889740}" type="datetimeFigureOut">
+            <a:fld id="{1110B853-0155-4350-9F11-857AFDF714F5}" type="datetimeFigureOut">
               <a:rPr lang="zh-CN" altLang="en-US" smtClean="0"/>
               <a:t>2024/3/10</a:t>
             </a:fld>
@@ -2674,7 +2674,7 @@
           <p:cNvPr id="6" name="页脚占位符 5">
             <a:extLst>
               <a:ext uri="{FF2B5EF4-FFF2-40B4-BE49-F238E27FC236}">
-                <a16:creationId xmlns:a16="http://schemas.microsoft.com/office/drawing/2014/main" id="{C47910DA-5751-C1E7-BC44-AB4E0367CD15}"/>
+                <a16:creationId xmlns:a16="http://schemas.microsoft.com/office/drawing/2014/main" id="{8D24506A-00C8-3E5F-5458-808DCEC7FD7D}"/>
               </a:ext>
             </a:extLst>
           </p:cNvPr>
@@ -2699,7 +2699,7 @@
           <p:cNvPr id="7" name="灯片编号占位符 6">
             <a:extLst>
               <a:ext uri="{FF2B5EF4-FFF2-40B4-BE49-F238E27FC236}">
-                <a16:creationId xmlns:a16="http://schemas.microsoft.com/office/drawing/2014/main" id="{751B9E51-8402-E842-C47B-6BB34E6C2F4D}"/>
+                <a16:creationId xmlns:a16="http://schemas.microsoft.com/office/drawing/2014/main" id="{7AD0DB5B-2530-F2F1-FC55-505A383E5638}"/>
               </a:ext>
             </a:extLst>
           </p:cNvPr>
@@ -2715,7 +2715,7 @@
           <a:bodyPr/>
           <a:lstStyle/>
           <a:p>
-            <a:fld id="{9DC0A231-19B7-4DDC-B6C3-41F06F48BD71}" type="slidenum">
+            <a:fld id="{166B863F-A773-422F-B07F-1B2C26B16D1B}" type="slidenum">
               <a:rPr lang="zh-CN" altLang="en-US" smtClean="0"/>
               <a:t>‹#›</a:t>
             </a:fld>
@@ -2726,7 +2726,7 @@
     </p:spTree>
     <p:extLst>
       <p:ext uri="{BB962C8B-B14F-4D97-AF65-F5344CB8AC3E}">
-        <p14:creationId xmlns:p14="http://schemas.microsoft.com/office/powerpoint/2010/main" val="3493522063"/>
+        <p14:creationId xmlns:p14="http://schemas.microsoft.com/office/powerpoint/2010/main" val="3757159458"/>
       </p:ext>
     </p:extLst>
   </p:cSld>
@@ -2763,7 +2763,7 @@
           <p:cNvPr id="2" name="标题占位符 1">
             <a:extLst>
               <a:ext uri="{FF2B5EF4-FFF2-40B4-BE49-F238E27FC236}">
-                <a16:creationId xmlns:a16="http://schemas.microsoft.com/office/drawing/2014/main" id="{FDD65DAB-0D68-EE2E-B60A-7C35A628C105}"/>
+                <a16:creationId xmlns:a16="http://schemas.microsoft.com/office/drawing/2014/main" id="{7D3EA30C-5696-E96F-E744-9FAF57D28CA2}"/>
               </a:ext>
             </a:extLst>
           </p:cNvPr>
@@ -2801,7 +2801,7 @@
           <p:cNvPr id="3" name="文本占位符 2">
             <a:extLst>
               <a:ext uri="{FF2B5EF4-FFF2-40B4-BE49-F238E27FC236}">
-                <a16:creationId xmlns:a16="http://schemas.microsoft.com/office/drawing/2014/main" id="{0E4D1F11-FC52-32C7-68C2-327E8690ACE2}"/>
+                <a16:creationId xmlns:a16="http://schemas.microsoft.com/office/drawing/2014/main" id="{DDCFFF41-B2CB-0DFF-FCD9-8A9CF46D1326}"/>
               </a:ext>
             </a:extLst>
           </p:cNvPr>
@@ -2868,7 +2868,7 @@
           <p:cNvPr id="4" name="日期占位符 3">
             <a:extLst>
               <a:ext uri="{FF2B5EF4-FFF2-40B4-BE49-F238E27FC236}">
-                <a16:creationId xmlns:a16="http://schemas.microsoft.com/office/drawing/2014/main" id="{E698228C-10A0-D434-DDBF-5AB0A3F0FFFC}"/>
+                <a16:creationId xmlns:a16="http://schemas.microsoft.com/office/drawing/2014/main" id="{76110705-6D5E-2BC9-54E0-347A9FBE9AE6}"/>
               </a:ext>
             </a:extLst>
           </p:cNvPr>
@@ -2902,7 +2902,7 @@
             </a:lvl1pPr>
           </a:lstStyle>
           <a:p>
-            <a:fld id="{4BBE6FB4-E8FE-445C-8840-7E91EE889740}" type="datetimeFigureOut">
+            <a:fld id="{1110B853-0155-4350-9F11-857AFDF714F5}" type="datetimeFigureOut">
               <a:rPr lang="zh-CN" altLang="en-US" smtClean="0"/>
               <a:t>2024/3/10</a:t>
             </a:fld>
@@ -2915,7 +2915,7 @@
           <p:cNvPr id="5" name="页脚占位符 4">
             <a:extLst>
               <a:ext uri="{FF2B5EF4-FFF2-40B4-BE49-F238E27FC236}">
-                <a16:creationId xmlns:a16="http://schemas.microsoft.com/office/drawing/2014/main" id="{F8BB05F6-7797-016E-6643-DD39C4AA9B9B}"/>
+                <a16:creationId xmlns:a16="http://schemas.microsoft.com/office/drawing/2014/main" id="{4BE857C5-FC05-4295-6CA7-FAA2289E23D3}"/>
               </a:ext>
             </a:extLst>
           </p:cNvPr>
@@ -2958,7 +2958,7 @@
           <p:cNvPr id="6" name="灯片编号占位符 5">
             <a:extLst>
               <a:ext uri="{FF2B5EF4-FFF2-40B4-BE49-F238E27FC236}">
-                <a16:creationId xmlns:a16="http://schemas.microsoft.com/office/drawing/2014/main" id="{36F47554-4C49-95D2-F489-0482AF1BF3DD}"/>
+                <a16:creationId xmlns:a16="http://schemas.microsoft.com/office/drawing/2014/main" id="{EB8467B8-B951-CF8A-27C2-9FD0DE2171E4}"/>
               </a:ext>
             </a:extLst>
           </p:cNvPr>
@@ -2992,7 +2992,7 @@
             </a:lvl1pPr>
           </a:lstStyle>
           <a:p>
-            <a:fld id="{9DC0A231-19B7-4DDC-B6C3-41F06F48BD71}" type="slidenum">
+            <a:fld id="{166B863F-A773-422F-B07F-1B2C26B16D1B}" type="slidenum">
               <a:rPr lang="zh-CN" altLang="en-US" smtClean="0"/>
               <a:t>‹#›</a:t>
             </a:fld>
@@ -3003,7 +3003,7 @@
     </p:spTree>
     <p:extLst>
       <p:ext uri="{BB962C8B-B14F-4D97-AF65-F5344CB8AC3E}">
-        <p14:creationId xmlns:p14="http://schemas.microsoft.com/office/powerpoint/2010/main" val="907771300"/>
+        <p14:creationId xmlns:p14="http://schemas.microsoft.com/office/powerpoint/2010/main" val="3174507569"/>
       </p:ext>
     </p:extLst>
   </p:cSld>
